--- a/2018 동계방학 기획자 특훈/Dungeon Tamer_190103.pptx
+++ b/2018 동계방학 기획자 특훈/Dungeon Tamer_190103.pptx
@@ -51,17 +51,17 @@
   <p:notesSz cx="6858000" cy="9144000"/>
   <p:embeddedFontLst>
     <p:embeddedFont>
-      <p:font typeface="맑은 고딕" panose="020B0503020000020004" pitchFamily="50" charset="-127"/>
+      <p:font typeface="HY견명조" panose="02030600000101010101" pitchFamily="18" charset="-127"/>
       <p:regular r:id="rId41"/>
-      <p:bold r:id="rId42"/>
     </p:embeddedFont>
     <p:embeddedFont>
       <p:font typeface="210 앱굴림 R" panose="02020603020101020101" pitchFamily="18" charset="-127"/>
-      <p:regular r:id="rId43"/>
+      <p:regular r:id="rId42"/>
     </p:embeddedFont>
     <p:embeddedFont>
-      <p:font typeface="HY견명조" panose="02030600000101010101" pitchFamily="18" charset="-127"/>
-      <p:regular r:id="rId44"/>
+      <p:font typeface="맑은 고딕" panose="020B0503020000020004" pitchFamily="50" charset="-127"/>
+      <p:regular r:id="rId43"/>
+      <p:bold r:id="rId44"/>
     </p:embeddedFont>
   </p:embeddedFontLst>
   <p:defaultTextStyle>
@@ -189,35 +189,6 @@
   </p:cmAuthor>
   <p:cmAuthor id="2" name="user" initials="u" lastIdx="19" clrIdx="1"/>
 </p:cmAuthorLst>
-</file>
-
-<file path=ppt/comments/comment1.xml><?xml version="1.0" encoding="utf-8"?>
-<p:cmLst xmlns:a="http://schemas.openxmlformats.org/drawingml/2006/main" xmlns:r="http://schemas.openxmlformats.org/officeDocument/2006/relationships" xmlns:p="http://schemas.openxmlformats.org/presentationml/2006/main">
-  <p:cm authorId="2" dt="2018-11-06T14:44:01.152" idx="14">
-    <p:pos x="4704" y="624"/>
-    <p:text>지휘를 상품 판매에 비유한다면
-'박리다매' 라고 할 수 있겠습니다.
-현장 상황을 전해듣고 각각에 맡는
-여러 가지 업무를 동시에 처리하면서
-빠르게 사건들을 해결할 수 있습니다.</p:text>
-  </p:cm>
-</p:cmLst>
-</file>
-
-<file path=ppt/comments/comment2.xml><?xml version="1.0" encoding="utf-8"?>
-<p:cmLst xmlns:a="http://schemas.openxmlformats.org/drawingml/2006/main" xmlns:r="http://schemas.openxmlformats.org/officeDocument/2006/relationships" xmlns:p="http://schemas.openxmlformats.org/presentationml/2006/main">
-  <p:cm authorId="2" dt="2018-11-06T14:35:15.665" idx="13">
-    <p:pos x="4939" y="605"/>
-    <p:text>세부 기획 컨텐츠를 상황실 지휘 파트와
-현장 출동 파트로 잡은 것은, 이 게임의
-특징이자 기획 단계에서 초점을 맞추고 있는
-'플레이어의 선택'이 가장 많이 들어간 부분이자
-그것을 단적으로 표현할 수 있기 때문입니다.
-더 나아가, 선택에 따른 시스템 요소들의
-변화에도 주목하여 기획해볼 수 있을 것
-같습니다.</p:text>
-  </p:cm>
-</p:cmLst>
 </file>
 
 <file path=ppt/notesMasters/notesMaster1.xml><?xml version="1.0" encoding="utf-8"?>
@@ -7048,16 +7019,7 @@
                 </a:solidFill>
                 <a:latin typeface="+mn-ea"/>
               </a:rPr>
-              <a:t>하여 </a:t>
-            </a:r>
-            <a:r>
-              <a:rPr lang="ko-KR" altLang="ko-KR" dirty="0" smtClean="0">
-                <a:solidFill>
-                  <a:schemeClr val="bg1"/>
-                </a:solidFill>
-                <a:latin typeface="+mn-ea"/>
-              </a:rPr>
-              <a:t>던전 </a:t>
+              <a:t>하여 던전 </a:t>
             </a:r>
             <a:r>
               <a:rPr lang="ko-KR" altLang="ko-KR" dirty="0" err="1">
@@ -7466,7 +7428,7 @@
           <p:nvPr>
             <p:extLst>
               <p:ext uri="{D42A27DB-BD31-4B8C-83A1-F6EECF244321}">
-                <p14:modId xmlns:p14="http://schemas.microsoft.com/office/powerpoint/2010/main" val="3642695080"/>
+                <p14:modId xmlns:p14="http://schemas.microsoft.com/office/powerpoint/2010/main" val="640662625"/>
               </p:ext>
             </p:extLst>
           </p:nvPr>
@@ -7573,23 +7535,7 @@
                       </a:r>
                       <a:r>
                         <a:rPr lang="ko-KR" altLang="en-US" dirty="0" smtClean="0"/>
-                        <a:t>보조형</a:t>
-                      </a:r>
-                      <a:r>
-                        <a:rPr lang="en-US" altLang="ko-KR" dirty="0" smtClean="0"/>
-                        <a:t>, </a:t>
-                      </a:r>
-                      <a:r>
-                        <a:rPr lang="ko-KR" altLang="en-US" dirty="0" smtClean="0"/>
-                        <a:t>기능</a:t>
-                      </a:r>
-                      <a:r>
-                        <a:rPr lang="ko-KR" altLang="en-US" dirty="0" smtClean="0"/>
-                        <a:t>형</a:t>
-                      </a:r>
-                      <a:r>
-                        <a:rPr lang="ko-KR" altLang="en-US" dirty="0" smtClean="0"/>
-                        <a:t> </a:t>
+                        <a:t>보조형 </a:t>
                       </a:r>
                       <a:r>
                         <a:rPr lang="ko-KR" altLang="en-US" dirty="0" smtClean="0"/>
@@ -7953,11 +7899,7 @@
                       </a:r>
                       <a:r>
                         <a:rPr lang="ko-KR" altLang="en-US" dirty="0" smtClean="0"/>
-                        <a:t>한 적 </a:t>
-                      </a:r>
-                      <a:r>
-                        <a:rPr lang="ko-KR" altLang="en-US" dirty="0" smtClean="0"/>
-                        <a:t>뎀</a:t>
+                        <a:t>한 적 뎀</a:t>
                       </a:r>
                       <a:r>
                         <a:rPr lang="en-US" altLang="ko-KR" baseline="0" dirty="0" smtClean="0"/>
@@ -8005,15 +7947,7 @@
                       </a:r>
                       <a:r>
                         <a:rPr lang="ko-KR" altLang="en-US" dirty="0" smtClean="0"/>
-                        <a:t>모든 </a:t>
-                      </a:r>
-                      <a:r>
-                        <a:rPr lang="ko-KR" altLang="en-US" dirty="0" smtClean="0"/>
-                        <a:t>적 </a:t>
-                      </a:r>
-                      <a:r>
-                        <a:rPr lang="ko-KR" altLang="en-US" dirty="0" smtClean="0"/>
-                        <a:t>뎀</a:t>
+                        <a:t>모든 적 뎀</a:t>
                       </a:r>
                       <a:r>
                         <a:rPr lang="en-US" altLang="ko-KR" dirty="0" smtClean="0"/>
@@ -8374,7 +8308,7 @@
           <p:nvPr>
             <p:extLst>
               <p:ext uri="{D42A27DB-BD31-4B8C-83A1-F6EECF244321}">
-                <p14:modId xmlns:p14="http://schemas.microsoft.com/office/powerpoint/2010/main" val="666501347"/>
+                <p14:modId xmlns:p14="http://schemas.microsoft.com/office/powerpoint/2010/main" val="1967430271"/>
               </p:ext>
             </p:extLst>
           </p:nvPr>
@@ -8481,15 +8415,11 @@
                       </a:r>
                       <a:r>
                         <a:rPr lang="ko-KR" altLang="en-US" dirty="0" smtClean="0"/>
-                        <a:t>보조형</a:t>
-                      </a:r>
-                      <a:r>
-                        <a:rPr lang="en-US" altLang="ko-KR" dirty="0" smtClean="0"/>
-                        <a:t>, </a:t>
+                        <a:t>보조형 </a:t>
                       </a:r>
                       <a:r>
                         <a:rPr lang="ko-KR" altLang="en-US" dirty="0" smtClean="0"/>
-                        <a:t>기능형 중 </a:t>
+                        <a:t>중 </a:t>
                       </a:r>
                       <a:r>
                         <a:rPr lang="ko-KR" altLang="en-US" dirty="0" err="1" smtClean="0"/>
@@ -8529,11 +8459,7 @@
                     <a:p>
                       <a:r>
                         <a:rPr lang="ko-KR" altLang="en-US" dirty="0" smtClean="0"/>
-                        <a:t>바</a:t>
-                      </a:r>
-                      <a:r>
-                        <a:rPr lang="ko-KR" altLang="en-US" dirty="0" smtClean="0"/>
-                        <a:t>람</a:t>
+                        <a:t>바람</a:t>
                       </a:r>
                       <a:endParaRPr lang="ko-KR" altLang="en-US" dirty="0"/>
                     </a:p>
@@ -8905,19 +8831,11 @@
                       </a:r>
                       <a:r>
                         <a:rPr lang="en-US" altLang="ko-KR" dirty="0" smtClean="0"/>
-                        <a:t>(</a:t>
-                      </a:r>
-                      <a:r>
-                        <a:rPr lang="en-US" altLang="ko-KR" dirty="0" smtClean="0"/>
-                        <a:t>2</a:t>
+                        <a:t>(2</a:t>
                       </a:r>
                       <a:r>
                         <a:rPr lang="ko-KR" altLang="en-US" dirty="0" smtClean="0"/>
-                        <a:t>턴 </a:t>
-                      </a:r>
-                      <a:r>
-                        <a:rPr lang="ko-KR" altLang="en-US" dirty="0" smtClean="0"/>
-                        <a:t>아군 체</a:t>
+                        <a:t>턴 아군 체</a:t>
                       </a:r>
                       <a:r>
                         <a:rPr lang="en-US" altLang="ko-KR" dirty="0" smtClean="0"/>
@@ -9294,7 +9212,7 @@
           <p:nvPr>
             <p:extLst>
               <p:ext uri="{D42A27DB-BD31-4B8C-83A1-F6EECF244321}">
-                <p14:modId xmlns:p14="http://schemas.microsoft.com/office/powerpoint/2010/main" val="3279998300"/>
+                <p14:modId xmlns:p14="http://schemas.microsoft.com/office/powerpoint/2010/main" val="2403635941"/>
               </p:ext>
             </p:extLst>
           </p:nvPr>
@@ -9404,12 +9322,16 @@
                         <a:t>보조형</a:t>
                       </a:r>
                       <a:r>
-                        <a:rPr lang="en-US" altLang="ko-KR" dirty="0" smtClean="0"/>
-                        <a:t>, </a:t>
+                        <a:rPr lang="ko-KR" altLang="en-US" baseline="0" dirty="0" smtClean="0"/>
+                        <a:t> </a:t>
                       </a:r>
                       <a:r>
                         <a:rPr lang="ko-KR" altLang="en-US" dirty="0" smtClean="0"/>
-                        <a:t>기능형 중 보조형</a:t>
+                        <a:t>중 </a:t>
+                      </a:r>
+                      <a:r>
+                        <a:rPr lang="ko-KR" altLang="en-US" dirty="0" smtClean="0"/>
+                        <a:t>보조형</a:t>
                       </a:r>
                       <a:endParaRPr lang="ko-KR" altLang="en-US" dirty="0"/>
                     </a:p>
@@ -9813,11 +9735,7 @@
                       </a:r>
                       <a:r>
                         <a:rPr lang="en-US" altLang="ko-KR" dirty="0" smtClean="0"/>
-                        <a:t>(</a:t>
-                      </a:r>
-                      <a:r>
-                        <a:rPr lang="en-US" altLang="ko-KR" dirty="0" smtClean="0"/>
-                        <a:t>1</a:t>
+                        <a:t>(1</a:t>
                       </a:r>
                       <a:r>
                         <a:rPr lang="ko-KR" altLang="en-US" dirty="0" smtClean="0"/>
@@ -10190,7 +10108,7 @@
           <p:nvPr>
             <p:extLst>
               <p:ext uri="{D42A27DB-BD31-4B8C-83A1-F6EECF244321}">
-                <p14:modId xmlns:p14="http://schemas.microsoft.com/office/powerpoint/2010/main" val="2116249875"/>
+                <p14:modId xmlns:p14="http://schemas.microsoft.com/office/powerpoint/2010/main" val="1390373945"/>
               </p:ext>
             </p:extLst>
           </p:nvPr>
@@ -10297,15 +10215,27 @@
                       </a:r>
                       <a:r>
                         <a:rPr lang="ko-KR" altLang="en-US" dirty="0" smtClean="0"/>
-                        <a:t>보조형</a:t>
-                      </a:r>
-                      <a:r>
-                        <a:rPr lang="en-US" altLang="ko-KR" dirty="0" smtClean="0"/>
-                        <a:t>, </a:t>
+                        <a:t>보조형 </a:t>
                       </a:r>
                       <a:r>
                         <a:rPr lang="ko-KR" altLang="en-US" dirty="0" smtClean="0"/>
-                        <a:t>기능형 중 기능형</a:t>
+                        <a:t>중</a:t>
+                      </a:r>
+                      <a:r>
+                        <a:rPr lang="en-US" altLang="ko-KR" baseline="0" dirty="0" smtClean="0"/>
+                        <a:t> </a:t>
+                      </a:r>
+                      <a:r>
+                        <a:rPr lang="ko-KR" altLang="en-US" baseline="0" dirty="0" smtClean="0"/>
+                        <a:t>보</a:t>
+                      </a:r>
+                      <a:r>
+                        <a:rPr lang="ko-KR" altLang="en-US" baseline="0" dirty="0" smtClean="0"/>
+                        <a:t>조</a:t>
+                      </a:r>
+                      <a:r>
+                        <a:rPr lang="ko-KR" altLang="en-US" dirty="0" smtClean="0"/>
+                        <a:t>형</a:t>
                       </a:r>
                       <a:endParaRPr lang="ko-KR" altLang="en-US" dirty="0"/>
                     </a:p>
@@ -10605,11 +10535,7 @@
                       </a:r>
                       <a:r>
                         <a:rPr lang="ko-KR" altLang="en-US" dirty="0" smtClean="0"/>
-                        <a:t> 적 </a:t>
-                      </a:r>
-                      <a:r>
-                        <a:rPr lang="ko-KR" altLang="en-US" dirty="0" smtClean="0"/>
-                        <a:t>몬스터 </a:t>
+                        <a:t> 적 몬스터 </a:t>
                       </a:r>
                       <a:r>
                         <a:rPr lang="en-US" altLang="ko-KR" dirty="0" smtClean="0"/>
@@ -11151,9 +11077,6 @@
               </a:rPr>
               <a:t>.</a:t>
             </a:r>
-            <a:endParaRPr lang="en-US" altLang="ko-KR" dirty="0" smtClean="0">
-              <a:latin typeface="+mn-ea"/>
-            </a:endParaRPr>
           </a:p>
           <a:p>
             <a:pPr>
@@ -11200,9 +11123,6 @@
               </a:rPr>
               <a:t>.</a:t>
             </a:r>
-            <a:endParaRPr lang="en-US" altLang="ko-KR" dirty="0" smtClean="0">
-              <a:latin typeface="+mn-ea"/>
-            </a:endParaRPr>
           </a:p>
           <a:p>
             <a:pPr>
@@ -11262,11 +11182,7 @@
             </a:r>
             <a:r>
               <a:rPr lang="ko-KR" altLang="en-US" dirty="0" smtClean="0"/>
-              <a:t>획득할</a:t>
-            </a:r>
-            <a:r>
-              <a:rPr lang="ko-KR" altLang="en-US" dirty="0" smtClean="0"/>
-              <a:t> 수 있으며</a:t>
+              <a:t>획득할 수 있으며</a:t>
             </a:r>
             <a:r>
               <a:rPr lang="en-US" altLang="ko-KR" dirty="0" smtClean="0"/>
@@ -11290,9 +11206,6 @@
               </a:rPr>
               <a:t>.</a:t>
             </a:r>
-            <a:endParaRPr lang="en-US" altLang="ko-KR" dirty="0" smtClean="0">
-              <a:latin typeface="+mn-ea"/>
-            </a:endParaRPr>
           </a:p>
         </p:txBody>
       </p:sp>
@@ -13845,25 +13758,7 @@
                 <a:latin typeface="맑은 고딕" panose="020B0503020000020004" pitchFamily="50" charset="-127"/>
                 <a:ea typeface="맑은 고딕" panose="020B0503020000020004" pitchFamily="50" charset="-127"/>
               </a:rPr>
-              <a:t>게임 </a:t>
-            </a:r>
-            <a:r>
-              <a:rPr lang="ko-KR" altLang="en-US" b="1" dirty="0" smtClean="0">
-                <a:gradFill>
-                  <a:gsLst>
-                    <a:gs pos="0">
-                      <a:schemeClr val="tx1"/>
-                    </a:gs>
-                    <a:gs pos="100000">
-                      <a:schemeClr val="tx1"/>
-                    </a:gs>
-                  </a:gsLst>
-                  <a:lin ang="5400000" scaled="1"/>
-                </a:gradFill>
-                <a:latin typeface="맑은 고딕" panose="020B0503020000020004" pitchFamily="50" charset="-127"/>
-                <a:ea typeface="맑은 고딕" panose="020B0503020000020004" pitchFamily="50" charset="-127"/>
-              </a:rPr>
-              <a:t>소개</a:t>
+              <a:t>게임 소개</a:t>
             </a:r>
             <a:endParaRPr lang="ko-KR" altLang="en-US" b="1" dirty="0">
               <a:gradFill>
@@ -14041,7 +13936,7 @@
               <a:rPr lang="ko-KR" altLang="en-US" sz="2400" b="1" dirty="0" smtClean="0">
                 <a:latin typeface="+mn-ea"/>
               </a:rPr>
-              <a:t>상황실</a:t>
+              <a:t>던전</a:t>
             </a:r>
             <a:endParaRPr lang="en-US" altLang="ko-KR" sz="2400" b="1" dirty="0" smtClean="0">
               <a:latin typeface="+mn-ea"/>
@@ -14076,7 +13971,7 @@
               <a:rPr lang="ko-KR" altLang="en-US" sz="2400" b="1" dirty="0" smtClean="0">
                 <a:latin typeface="+mn-ea"/>
               </a:rPr>
-              <a:t>현장</a:t>
+              <a:t>상인</a:t>
             </a:r>
             <a:endParaRPr lang="en-US" altLang="ko-KR" sz="2400" b="1" dirty="0" smtClean="0">
               <a:latin typeface="+mn-ea"/>
@@ -14179,10 +14074,10 @@
           <a:p>
             <a:pPr algn="just"/>
             <a:r>
-              <a:rPr lang="ko-KR" altLang="en-US" sz="2400" b="1" dirty="0" err="1" smtClean="0">
+              <a:rPr lang="ko-KR" altLang="en-US" sz="2400" b="1" dirty="0" smtClean="0">
                 <a:latin typeface="+mn-ea"/>
               </a:rPr>
-              <a:t>지도맵</a:t>
+              <a:t>전투</a:t>
             </a:r>
             <a:endParaRPr lang="en-US" altLang="ko-KR" sz="2400" b="1" dirty="0" smtClean="0">
               <a:latin typeface="+mn-ea"/>
@@ -15333,25 +15228,7 @@
                 <a:latin typeface="맑은 고딕" panose="020B0503020000020004" pitchFamily="50" charset="-127"/>
                 <a:ea typeface="맑은 고딕" panose="020B0503020000020004" pitchFamily="50" charset="-127"/>
               </a:rPr>
-              <a:t>기획 </a:t>
-            </a:r>
-            <a:r>
-              <a:rPr lang="ko-KR" altLang="en-US" sz="2200" b="1" dirty="0" smtClean="0">
-                <a:gradFill>
-                  <a:gsLst>
-                    <a:gs pos="0">
-                      <a:schemeClr val="tx1"/>
-                    </a:gs>
-                    <a:gs pos="100000">
-                      <a:schemeClr val="tx1"/>
-                    </a:gs>
-                  </a:gsLst>
-                  <a:lin ang="5400000" scaled="1"/>
-                </a:gradFill>
-                <a:latin typeface="맑은 고딕" panose="020B0503020000020004" pitchFamily="50" charset="-127"/>
-                <a:ea typeface="맑은 고딕" panose="020B0503020000020004" pitchFamily="50" charset="-127"/>
-              </a:rPr>
-              <a:t>컨셉</a:t>
+              <a:t>기획 컨셉</a:t>
             </a:r>
             <a:endParaRPr lang="ko-KR" altLang="en-US" sz="2200" b="1" dirty="0">
               <a:gradFill>
@@ -16535,7 +16412,7 @@
           <p:nvPr>
             <p:extLst>
               <p:ext uri="{D42A27DB-BD31-4B8C-83A1-F6EECF244321}">
-                <p14:modId xmlns:p14="http://schemas.microsoft.com/office/powerpoint/2010/main" val="3112033609"/>
+                <p14:modId xmlns:p14="http://schemas.microsoft.com/office/powerpoint/2010/main" val="4268948201"/>
               </p:ext>
             </p:extLst>
           </p:nvPr>
@@ -16645,20 +16522,12 @@
                         <a:t>보조형</a:t>
                       </a:r>
                       <a:r>
-                        <a:rPr lang="en-US" altLang="ko-KR" dirty="0" smtClean="0"/>
-                        <a:t>, </a:t>
+                        <a:rPr lang="en-US" altLang="ko-KR" baseline="0" dirty="0" smtClean="0"/>
+                        <a:t> </a:t>
                       </a:r>
                       <a:r>
                         <a:rPr lang="ko-KR" altLang="en-US" dirty="0" smtClean="0"/>
-                        <a:t>기능</a:t>
-                      </a:r>
-                      <a:r>
-                        <a:rPr lang="ko-KR" altLang="en-US" dirty="0" smtClean="0"/>
-                        <a:t>형</a:t>
-                      </a:r>
-                      <a:r>
-                        <a:rPr lang="ko-KR" altLang="en-US" dirty="0" smtClean="0"/>
-                        <a:t> 중 </a:t>
+                        <a:t>중 </a:t>
                       </a:r>
                       <a:r>
                         <a:rPr lang="ko-KR" altLang="en-US" dirty="0" err="1" smtClean="0"/>
@@ -17443,7 +17312,7 @@
           <p:nvPr>
             <p:extLst>
               <p:ext uri="{D42A27DB-BD31-4B8C-83A1-F6EECF244321}">
-                <p14:modId xmlns:p14="http://schemas.microsoft.com/office/powerpoint/2010/main" val="991244572"/>
+                <p14:modId xmlns:p14="http://schemas.microsoft.com/office/powerpoint/2010/main" val="1530292396"/>
               </p:ext>
             </p:extLst>
           </p:nvPr>
@@ -17550,23 +17419,11 @@
                       </a:r>
                       <a:r>
                         <a:rPr lang="ko-KR" altLang="en-US" dirty="0" smtClean="0"/>
-                        <a:t>보조형</a:t>
-                      </a:r>
-                      <a:r>
-                        <a:rPr lang="en-US" altLang="ko-KR" dirty="0" smtClean="0"/>
-                        <a:t>, </a:t>
+                        <a:t>보조형 </a:t>
                       </a:r>
                       <a:r>
                         <a:rPr lang="ko-KR" altLang="en-US" dirty="0" smtClean="0"/>
-                        <a:t>기능</a:t>
-                      </a:r>
-                      <a:r>
-                        <a:rPr lang="ko-KR" altLang="en-US" dirty="0" smtClean="0"/>
-                        <a:t>형</a:t>
-                      </a:r>
-                      <a:r>
-                        <a:rPr lang="ko-KR" altLang="en-US" dirty="0" smtClean="0"/>
-                        <a:t> 중 </a:t>
+                        <a:t>중 </a:t>
                       </a:r>
                       <a:r>
                         <a:rPr lang="ko-KR" altLang="en-US" dirty="0" err="1" smtClean="0"/>
@@ -17974,11 +17831,7 @@
                       </a:r>
                       <a:r>
                         <a:rPr lang="en-US" altLang="ko-KR" dirty="0" smtClean="0"/>
-                        <a:t>/ </a:t>
-                      </a:r>
-                      <a:r>
-                        <a:rPr lang="en-US" altLang="ko-KR" dirty="0" smtClean="0"/>
-                        <a:t>-</a:t>
+                        <a:t>/ -</a:t>
                       </a:r>
                       <a:endParaRPr lang="ko-KR" altLang="en-US" dirty="0"/>
                     </a:p>
@@ -18327,7 +18180,7 @@
           <p:nvPr>
             <p:extLst>
               <p:ext uri="{D42A27DB-BD31-4B8C-83A1-F6EECF244321}">
-                <p14:modId xmlns:p14="http://schemas.microsoft.com/office/powerpoint/2010/main" val="3829051613"/>
+                <p14:modId xmlns:p14="http://schemas.microsoft.com/office/powerpoint/2010/main" val="762461420"/>
               </p:ext>
             </p:extLst>
           </p:nvPr>
@@ -18434,23 +18287,15 @@
                       </a:r>
                       <a:r>
                         <a:rPr lang="ko-KR" altLang="en-US" dirty="0" smtClean="0"/>
-                        <a:t>보조형</a:t>
-                      </a:r>
-                      <a:r>
-                        <a:rPr lang="en-US" altLang="ko-KR" dirty="0" smtClean="0"/>
-                        <a:t>, </a:t>
+                        <a:t>보조형 </a:t>
                       </a:r>
                       <a:r>
                         <a:rPr lang="ko-KR" altLang="en-US" dirty="0" smtClean="0"/>
-                        <a:t>기능</a:t>
+                        <a:t>중 </a:t>
                       </a:r>
                       <a:r>
                         <a:rPr lang="ko-KR" altLang="en-US" dirty="0" smtClean="0"/>
-                        <a:t>형</a:t>
-                      </a:r>
-                      <a:r>
-                        <a:rPr lang="ko-KR" altLang="en-US" dirty="0" smtClean="0"/>
-                        <a:t> 중 보조형</a:t>
+                        <a:t>기능형</a:t>
                       </a:r>
                       <a:endParaRPr lang="ko-KR" altLang="en-US" dirty="0"/>
                     </a:p>
@@ -18818,11 +18663,7 @@
                       </a:r>
                       <a:r>
                         <a:rPr lang="en-US" altLang="ko-KR" dirty="0" smtClean="0"/>
-                        <a:t>/ </a:t>
-                      </a:r>
-                      <a:r>
-                        <a:rPr lang="en-US" altLang="ko-KR" dirty="0" smtClean="0"/>
-                        <a:t>-</a:t>
+                        <a:t>/ -</a:t>
                       </a:r>
                       <a:r>
                         <a:rPr lang="ko-KR" altLang="en-US" dirty="0" smtClean="0"/>
@@ -18830,11 +18671,7 @@
                       </a:r>
                       <a:r>
                         <a:rPr lang="en-US" altLang="ko-KR" dirty="0" smtClean="0"/>
-                        <a:t>/ </a:t>
-                      </a:r>
-                      <a:r>
-                        <a:rPr lang="en-US" altLang="ko-KR" dirty="0" smtClean="0"/>
-                        <a:t>-</a:t>
+                        <a:t>/ -</a:t>
                       </a:r>
                       <a:endParaRPr lang="ko-KR" altLang="en-US" dirty="0"/>
                     </a:p>
@@ -21808,25 +21645,7 @@
                 <a:latin typeface="맑은 고딕" panose="020B0503020000020004" pitchFamily="50" charset="-127"/>
                 <a:ea typeface="맑은 고딕" panose="020B0503020000020004" pitchFamily="50" charset="-127"/>
               </a:rPr>
-              <a:t>게임 </a:t>
-            </a:r>
-            <a:r>
-              <a:rPr lang="ko-KR" altLang="en-US" b="1" dirty="0" smtClean="0">
-                <a:gradFill>
-                  <a:gsLst>
-                    <a:gs pos="0">
-                      <a:schemeClr val="tx1"/>
-                    </a:gs>
-                    <a:gs pos="100000">
-                      <a:schemeClr val="tx1"/>
-                    </a:gs>
-                  </a:gsLst>
-                  <a:lin ang="5400000" scaled="1"/>
-                </a:gradFill>
-                <a:latin typeface="맑은 고딕" panose="020B0503020000020004" pitchFamily="50" charset="-127"/>
-                <a:ea typeface="맑은 고딕" panose="020B0503020000020004" pitchFamily="50" charset="-127"/>
-              </a:rPr>
-              <a:t>플레이</a:t>
+              <a:t>게임 플레이</a:t>
             </a:r>
             <a:endParaRPr lang="ko-KR" altLang="en-US" b="1" dirty="0">
               <a:gradFill>
@@ -21950,7 +21769,7 @@
         <p:spPr>
           <a:xfrm>
             <a:off x="203203" y="1596326"/>
-            <a:ext cx="5604329" cy="3785652"/>
+            <a:ext cx="5604329" cy="4524315"/>
           </a:xfrm>
           <a:prstGeom prst="rect">
             <a:avLst/>
@@ -21969,46 +21788,11 @@
             </a:r>
             <a:r>
               <a:rPr lang="ko-KR" altLang="ko-KR" sz="2400" dirty="0" smtClean="0"/>
-              <a:t>플레이어는 </a:t>
-            </a:r>
-            <a:r>
-              <a:rPr lang="ko-KR" altLang="ko-KR" sz="2400" dirty="0"/>
-              <a:t>기본적으로 </a:t>
-            </a:r>
-            <a:r>
-              <a:rPr lang="en-US" altLang="ko-KR" sz="2400" dirty="0"/>
-              <a:t>‘</a:t>
-            </a:r>
-            <a:r>
-              <a:rPr lang="ko-KR" altLang="ko-KR" sz="2400" b="1" dirty="0"/>
-              <a:t>상황실</a:t>
-            </a:r>
-            <a:r>
-              <a:rPr lang="en-US" altLang="ko-KR" sz="2400" dirty="0"/>
-              <a:t>’</a:t>
-            </a:r>
-            <a:r>
-              <a:rPr lang="ko-KR" altLang="ko-KR" sz="2400" dirty="0" smtClean="0"/>
-              <a:t>이란</a:t>
-            </a:r>
-            <a:endParaRPr lang="en-US" altLang="ko-KR" sz="2400" dirty="0" smtClean="0"/>
-          </a:p>
-          <a:p>
-            <a:r>
-              <a:rPr lang="en-US" altLang="ko-KR" sz="2400" dirty="0" smtClean="0"/>
-              <a:t>  </a:t>
-            </a:r>
-            <a:r>
-              <a:rPr lang="ko-KR" altLang="ko-KR" sz="2400" dirty="0" smtClean="0"/>
-              <a:t>장소에서</a:t>
-            </a:r>
-            <a:r>
-              <a:rPr lang="en-US" altLang="ko-KR" sz="2400" dirty="0" smtClean="0"/>
-              <a:t> </a:t>
-            </a:r>
-            <a:r>
-              <a:rPr lang="ko-KR" altLang="ko-KR" sz="2400" dirty="0" smtClean="0"/>
-              <a:t>대기한다</a:t>
+              <a:t>플레이</a:t>
+            </a:r>
+            <a:r>
+              <a:rPr lang="ko-KR" altLang="en-US" sz="2400" dirty="0" smtClean="0"/>
+              <a:t>어가 캐릭터를 선택하면 탐험이 시작된다</a:t>
             </a:r>
             <a:r>
               <a:rPr lang="en-US" altLang="ko-KR" sz="2400" dirty="0" smtClean="0"/>
@@ -22028,83 +21812,48 @@
               <a:t>• </a:t>
             </a:r>
             <a:r>
-              <a:rPr lang="ko-KR" altLang="ko-KR" sz="2400" dirty="0" smtClean="0"/>
-              <a:t>대기하는 </a:t>
-            </a:r>
-            <a:r>
-              <a:rPr lang="ko-KR" altLang="ko-KR" sz="2400" dirty="0"/>
-              <a:t>동안 </a:t>
+              <a:rPr lang="ko-KR" altLang="en-US" sz="2400" dirty="0" smtClean="0"/>
+              <a:t>던전은 입구부터 </a:t>
             </a:r>
             <a:r>
               <a:rPr lang="ko-KR" altLang="en-US" sz="2400" dirty="0" err="1" smtClean="0"/>
-              <a:t>범죄율</a:t>
+              <a:t>최심부까지</a:t>
+            </a:r>
+            <a:r>
+              <a:rPr lang="ko-KR" altLang="en-US" sz="2400" dirty="0" smtClean="0"/>
+              <a:t> 이어져있으며</a:t>
             </a:r>
             <a:r>
               <a:rPr lang="en-US" altLang="ko-KR" sz="2400" dirty="0" smtClean="0"/>
               <a:t>, </a:t>
             </a:r>
             <a:r>
-              <a:rPr lang="ko-KR" altLang="en-US" sz="2400" dirty="0" err="1" smtClean="0"/>
-              <a:t>명성치</a:t>
-            </a:r>
-            <a:r>
-              <a:rPr lang="en-US" altLang="ko-KR" sz="2400" dirty="0" smtClean="0"/>
-              <a:t>, </a:t>
-            </a:r>
-            <a:r>
               <a:rPr lang="ko-KR" altLang="en-US" sz="2400" dirty="0" smtClean="0"/>
-              <a:t>자금</a:t>
-            </a:r>
-            <a:endParaRPr lang="en-US" altLang="ko-KR" sz="2400" dirty="0" smtClean="0"/>
-          </a:p>
-          <a:p>
-            <a:r>
-              <a:rPr lang="ko-KR" altLang="en-US" sz="2400" dirty="0" smtClean="0"/>
-              <a:t>  등</a:t>
-            </a:r>
-            <a:r>
-              <a:rPr lang="en-US" altLang="ko-KR" sz="2400" dirty="0" smtClean="0"/>
-              <a:t> </a:t>
-            </a:r>
-            <a:r>
-              <a:rPr lang="ko-KR" altLang="ko-KR" sz="2400" dirty="0" smtClean="0"/>
-              <a:t>자신의</a:t>
-            </a:r>
-            <a:r>
-              <a:rPr lang="en-US" altLang="ko-KR" sz="2400" b="1" dirty="0" smtClean="0"/>
-              <a:t> </a:t>
-            </a:r>
-            <a:r>
-              <a:rPr lang="ko-KR" altLang="ko-KR" sz="2400" b="1" dirty="0" smtClean="0"/>
-              <a:t>현재 </a:t>
-            </a:r>
-            <a:r>
-              <a:rPr lang="ko-KR" altLang="ko-KR" sz="2400" b="1" dirty="0"/>
-              <a:t>상태와 정보</a:t>
-            </a:r>
-            <a:r>
-              <a:rPr lang="ko-KR" altLang="ko-KR" sz="2400" dirty="0"/>
-              <a:t>를 볼 수 </a:t>
-            </a:r>
-            <a:r>
-              <a:rPr lang="en-US" altLang="ko-KR" sz="2400" dirty="0" smtClean="0"/>
-              <a:t/>
-            </a:r>
-            <a:br>
-              <a:rPr lang="en-US" altLang="ko-KR" sz="2400" dirty="0" smtClean="0"/>
-            </a:br>
-            <a:r>
-              <a:rPr lang="en-US" altLang="ko-KR" sz="2400" dirty="0" smtClean="0"/>
-              <a:t>  </a:t>
-            </a:r>
-            <a:r>
-              <a:rPr lang="ko-KR" altLang="ko-KR" sz="2400" dirty="0" smtClean="0"/>
-              <a:t>있다</a:t>
+              <a:t>한 번에 하나의 방을 탐험할 수 있다</a:t>
             </a:r>
             <a:r>
               <a:rPr lang="en-US" altLang="ko-KR" sz="2400" dirty="0" smtClean="0"/>
               <a:t>.</a:t>
             </a:r>
+            <a:endParaRPr lang="en-US" altLang="ko-KR" sz="2400" dirty="0" smtClean="0"/>
+          </a:p>
+          <a:p>
+            <a:endParaRPr lang="en-US" altLang="ko-KR" sz="2400" dirty="0" smtClean="0"/>
+          </a:p>
+          <a:p>
+            <a:r>
+              <a:rPr lang="en-US" altLang="ko-KR" sz="2400" dirty="0"/>
+              <a:t>• </a:t>
+            </a:r>
+            <a:r>
+              <a:rPr lang="ko-KR" altLang="en-US" sz="2400" dirty="0"/>
+              <a:t>한번 클리어한 방을 다시 클리어할 수는 없다</a:t>
+            </a:r>
+            <a:r>
+              <a:rPr lang="en-US" altLang="ko-KR" sz="2400" dirty="0" smtClean="0"/>
+              <a:t>.</a:t>
+            </a:r>
+            <a:endParaRPr lang="en-US" altLang="ko-KR" sz="2400" dirty="0"/>
           </a:p>
           <a:p>
             <a:r>
@@ -22123,71 +21872,22 @@
               <a:t> </a:t>
             </a:r>
             <a:r>
-              <a:rPr lang="ko-KR" altLang="ko-KR" sz="2400" dirty="0" smtClean="0"/>
-              <a:t>대기하는 </a:t>
-            </a:r>
-            <a:r>
-              <a:rPr lang="ko-KR" altLang="ko-KR" sz="2400" dirty="0"/>
-              <a:t>동안 상점에 해당하는 </a:t>
-            </a:r>
-            <a:r>
-              <a:rPr lang="en-US" altLang="ko-KR" sz="2400" dirty="0" smtClean="0"/>
-              <a:t/>
-            </a:r>
-            <a:br>
-              <a:rPr lang="en-US" altLang="ko-KR" sz="2400" dirty="0" smtClean="0"/>
-            </a:br>
-            <a:r>
-              <a:rPr lang="en-US" altLang="ko-KR" sz="2400" dirty="0" smtClean="0"/>
-              <a:t>  ‘</a:t>
-            </a:r>
-            <a:r>
-              <a:rPr lang="ko-KR" altLang="ko-KR" sz="2400" b="1" dirty="0" err="1"/>
-              <a:t>지원소</a:t>
-            </a:r>
-            <a:r>
-              <a:rPr lang="en-US" altLang="ko-KR" sz="2400" dirty="0"/>
-              <a:t>’</a:t>
-            </a:r>
-            <a:r>
-              <a:rPr lang="ko-KR" altLang="ko-KR" sz="2400" dirty="0" smtClean="0"/>
-              <a:t>를</a:t>
-            </a:r>
-            <a:r>
-              <a:rPr lang="en-US" altLang="ko-KR" sz="2400" dirty="0" smtClean="0"/>
-              <a:t> </a:t>
-            </a:r>
-            <a:r>
               <a:rPr lang="ko-KR" altLang="en-US" sz="2400" dirty="0" smtClean="0"/>
-              <a:t>통해서 원하는 아이템을</a:t>
-            </a:r>
-            <a:r>
-              <a:rPr lang="en-US" altLang="ko-KR" sz="2400" dirty="0" smtClean="0"/>
-              <a:t/>
-            </a:r>
-            <a:br>
-              <a:rPr lang="en-US" altLang="ko-KR" sz="2400" dirty="0" smtClean="0"/>
-            </a:br>
-            <a:r>
-              <a:rPr lang="en-US" altLang="ko-KR" sz="2400" dirty="0" smtClean="0"/>
-              <a:t>  </a:t>
+              <a:t>던전의 </a:t>
+            </a:r>
+            <a:r>
+              <a:rPr lang="ko-KR" altLang="en-US" sz="2400" dirty="0" err="1" smtClean="0"/>
+              <a:t>최심부를</a:t>
             </a:r>
             <a:r>
               <a:rPr lang="ko-KR" altLang="en-US" sz="2400" dirty="0" smtClean="0"/>
-              <a:t>구매</a:t>
-            </a:r>
-            <a:r>
-              <a:rPr lang="en-US" altLang="ko-KR" sz="2400" dirty="0" smtClean="0"/>
-              <a:t>, </a:t>
-            </a:r>
-            <a:r>
-              <a:rPr lang="ko-KR" altLang="en-US" sz="2400" dirty="0" smtClean="0"/>
-              <a:t>혹은 업그레이드 할 수 있다</a:t>
+              <a:t> 클리어하는 것이 목표이다</a:t>
             </a:r>
             <a:r>
               <a:rPr lang="en-US" altLang="ko-KR" sz="2400" dirty="0" smtClean="0"/>
               <a:t>.</a:t>
             </a:r>
+            <a:endParaRPr lang="en-US" altLang="ko-KR" sz="2400" dirty="0" smtClean="0"/>
           </a:p>
         </p:txBody>
       </p:sp>
@@ -22518,25 +22218,7 @@
                 <a:latin typeface="맑은 고딕" panose="020B0503020000020004" pitchFamily="50" charset="-127"/>
                 <a:ea typeface="맑은 고딕" panose="020B0503020000020004" pitchFamily="50" charset="-127"/>
               </a:rPr>
-              <a:t>게임 </a:t>
-            </a:r>
-            <a:r>
-              <a:rPr lang="ko-KR" altLang="en-US" b="1" dirty="0" smtClean="0">
-                <a:gradFill>
-                  <a:gsLst>
-                    <a:gs pos="0">
-                      <a:schemeClr val="tx1"/>
-                    </a:gs>
-                    <a:gs pos="100000">
-                      <a:schemeClr val="tx1"/>
-                    </a:gs>
-                  </a:gsLst>
-                  <a:lin ang="5400000" scaled="1"/>
-                </a:gradFill>
-                <a:latin typeface="맑은 고딕" panose="020B0503020000020004" pitchFamily="50" charset="-127"/>
-                <a:ea typeface="맑은 고딕" panose="020B0503020000020004" pitchFamily="50" charset="-127"/>
-              </a:rPr>
-              <a:t>플레이</a:t>
+              <a:t>게임 플레이</a:t>
             </a:r>
             <a:endParaRPr lang="ko-KR" altLang="en-US" b="1" dirty="0">
               <a:gradFill>
@@ -22565,7 +22247,7 @@
         <p:spPr>
           <a:xfrm>
             <a:off x="254909" y="1340223"/>
-            <a:ext cx="5039181" cy="4154984"/>
+            <a:ext cx="5039181" cy="2677656"/>
           </a:xfrm>
           <a:prstGeom prst="rect">
             <a:avLst/>
@@ -22583,17 +22265,24 @@
               <a:t>• </a:t>
             </a:r>
             <a:r>
-              <a:rPr lang="ko-KR" altLang="ko-KR" sz="2400" dirty="0" smtClean="0"/>
-              <a:t>사건이 </a:t>
-            </a:r>
-            <a:r>
-              <a:rPr lang="ko-KR" altLang="ko-KR" sz="2400" dirty="0"/>
-              <a:t>발생하면 </a:t>
-            </a:r>
-            <a:r>
               <a:rPr lang="ko-KR" altLang="en-US" sz="2400" dirty="0" smtClean="0"/>
-              <a:t>무전기 아이콘에</a:t>
-            </a:r>
+              <a:t>아군 캐릭터와 적 몬스터의 최대 </a:t>
+            </a:r>
+            <a:r>
+              <a:rPr lang="en-US" altLang="ko-KR" sz="2400" dirty="0" smtClean="0"/>
+              <a:t>4:4 </a:t>
+            </a:r>
+            <a:r>
+              <a:rPr lang="ko-KR" altLang="en-US" sz="2400" dirty="0" smtClean="0"/>
+              <a:t>전투로 진행된다</a:t>
+            </a:r>
+            <a:r>
+              <a:rPr lang="en-US" altLang="ko-KR" sz="2400" dirty="0" smtClean="0"/>
+              <a:t>.</a:t>
+            </a:r>
+            <a:endParaRPr lang="en-US" altLang="ko-KR" sz="2400" dirty="0" smtClean="0"/>
+          </a:p>
+          <a:p>
             <a:r>
               <a:rPr lang="en-US" altLang="ko-KR" sz="2400" dirty="0" smtClean="0"/>
               <a:t/>
@@ -22602,12 +22291,12 @@
               <a:rPr lang="en-US" altLang="ko-KR" sz="2400" dirty="0" smtClean="0"/>
             </a:br>
             <a:r>
-              <a:rPr lang="en-US" altLang="ko-KR" sz="2400" dirty="0" smtClean="0"/>
-              <a:t> </a:t>
+              <a:rPr lang="en-US" altLang="ko-KR" sz="2400" dirty="0"/>
+              <a:t>• </a:t>
             </a:r>
             <a:r>
               <a:rPr lang="ko-KR" altLang="en-US" sz="2400" dirty="0" smtClean="0"/>
-              <a:t> 표시가 뜨고</a:t>
+              <a:t>아군부터</a:t>
             </a:r>
             <a:r>
               <a:rPr lang="en-US" altLang="ko-KR" sz="2400" dirty="0" smtClean="0"/>
@@ -22615,176 +22304,25 @@
             </a:r>
             <a:r>
               <a:rPr lang="ko-KR" altLang="en-US" sz="2400" dirty="0" smtClean="0"/>
-              <a:t>아이콘을</a:t>
+              <a:t>가장 왼쪽 캐릭터부터  시작하여</a:t>
             </a:r>
             <a:r>
               <a:rPr lang="en-US" altLang="ko-KR" sz="2400" dirty="0" smtClean="0"/>
-              <a:t> </a:t>
+              <a:t>, </a:t>
             </a:r>
             <a:r>
               <a:rPr lang="ko-KR" altLang="en-US" sz="2400" dirty="0" smtClean="0"/>
-              <a:t>클릭하여</a:t>
-            </a:r>
-            <a:r>
-              <a:rPr lang="en-US" altLang="ko-KR" sz="2400" dirty="0" smtClean="0"/>
-              <a:t/>
-            </a:r>
-            <a:br>
-              <a:rPr lang="en-US" altLang="ko-KR" sz="2400" dirty="0" smtClean="0"/>
-            </a:br>
-            <a:r>
-              <a:rPr lang="en-US" altLang="ko-KR" sz="2400" dirty="0" smtClean="0"/>
-              <a:t>  </a:t>
-            </a:r>
-            <a:r>
-              <a:rPr lang="ko-KR" altLang="en-US" sz="2400" b="1" dirty="0" smtClean="0"/>
-              <a:t>사건 정보</a:t>
+              <a:t>차례대로 </a:t>
             </a:r>
             <a:r>
               <a:rPr lang="ko-KR" altLang="en-US" sz="2400" dirty="0" smtClean="0"/>
-              <a:t>를 확인할 수 있다</a:t>
+              <a:t>한 진영의 모든 캐릭터가 행동을 마치면 차례가 넘어간다</a:t>
             </a:r>
             <a:r>
               <a:rPr lang="en-US" altLang="ko-KR" sz="2400" dirty="0" smtClean="0"/>
               <a:t>.</a:t>
             </a:r>
-            <a:br>
-              <a:rPr lang="en-US" altLang="ko-KR" sz="2400" dirty="0" smtClean="0"/>
-            </a:br>
-            <a:r>
-              <a:rPr lang="en-US" altLang="ko-KR" sz="2400" dirty="0" smtClean="0"/>
-              <a:t/>
-            </a:r>
-            <a:br>
-              <a:rPr lang="en-US" altLang="ko-KR" sz="2400" dirty="0" smtClean="0"/>
-            </a:br>
-            <a:r>
-              <a:rPr lang="en-US" altLang="ko-KR" sz="2400" dirty="0"/>
-              <a:t>• </a:t>
-            </a:r>
-            <a:r>
-              <a:rPr lang="ko-KR" altLang="en-US" sz="2400" dirty="0" smtClean="0"/>
-              <a:t>사건의 개요를 듣고</a:t>
-            </a:r>
-            <a:r>
-              <a:rPr lang="en-US" altLang="ko-KR" sz="2400" dirty="0" smtClean="0"/>
-              <a:t> </a:t>
-            </a:r>
-            <a:r>
-              <a:rPr lang="ko-KR" altLang="en-US" sz="2400" dirty="0" smtClean="0"/>
-              <a:t>해당 임무를</a:t>
-            </a:r>
-            <a:r>
-              <a:rPr lang="en-US" altLang="ko-KR" sz="2400" dirty="0" smtClean="0"/>
-              <a:t/>
-            </a:r>
-            <a:br>
-              <a:rPr lang="en-US" altLang="ko-KR" sz="2400" dirty="0" smtClean="0"/>
-            </a:br>
-            <a:r>
-              <a:rPr lang="en-US" altLang="ko-KR" sz="2400" dirty="0" smtClean="0"/>
-              <a:t> </a:t>
-            </a:r>
-            <a:r>
-              <a:rPr lang="ko-KR" altLang="en-US" sz="2400" dirty="0" smtClean="0"/>
-              <a:t> 맡을 것인지 말 것인지 정할 수 </a:t>
-            </a:r>
-            <a:r>
-              <a:rPr lang="en-US" altLang="ko-KR" sz="2400" dirty="0" smtClean="0"/>
-              <a:t/>
-            </a:r>
-            <a:br>
-              <a:rPr lang="en-US" altLang="ko-KR" sz="2400" dirty="0" smtClean="0"/>
-            </a:br>
-            <a:r>
-              <a:rPr lang="en-US" altLang="ko-KR" sz="2400" dirty="0" smtClean="0"/>
-              <a:t>  </a:t>
-            </a:r>
-            <a:r>
-              <a:rPr lang="ko-KR" altLang="en-US" sz="2400" dirty="0" smtClean="0"/>
-              <a:t>있다</a:t>
-            </a:r>
-            <a:r>
-              <a:rPr lang="en-US" altLang="ko-KR" sz="2400" dirty="0" smtClean="0"/>
-              <a:t>.</a:t>
-            </a:r>
-            <a:br>
-              <a:rPr lang="en-US" altLang="ko-KR" sz="2400" dirty="0" smtClean="0"/>
-            </a:br>
-            <a:r>
-              <a:rPr lang="en-US" altLang="ko-KR" sz="2400" dirty="0" smtClean="0"/>
-              <a:t/>
-            </a:r>
-            <a:br>
-              <a:rPr lang="en-US" altLang="ko-KR" sz="2400" dirty="0" smtClean="0"/>
-            </a:br>
-            <a:r>
-              <a:rPr lang="en-US" altLang="ko-KR" sz="2400" dirty="0"/>
-              <a:t>• </a:t>
-            </a:r>
-            <a:r>
-              <a:rPr lang="ko-KR" altLang="en-US" sz="2400" dirty="0" smtClean="0"/>
-              <a:t>임무를 맡았다면</a:t>
-            </a:r>
-            <a:r>
-              <a:rPr lang="en-US" altLang="ko-KR" sz="2400" dirty="0" smtClean="0"/>
-              <a:t> </a:t>
-            </a:r>
-            <a:r>
-              <a:rPr lang="ko-KR" altLang="ko-KR" sz="2400" dirty="0" smtClean="0"/>
-              <a:t>상황실에서 </a:t>
-            </a:r>
-            <a:r>
-              <a:rPr lang="en-US" altLang="ko-KR" sz="2400" dirty="0" smtClean="0"/>
-              <a:t/>
-            </a:r>
-            <a:br>
-              <a:rPr lang="en-US" altLang="ko-KR" sz="2400" dirty="0" smtClean="0"/>
-            </a:br>
-            <a:r>
-              <a:rPr lang="en-US" altLang="ko-KR" sz="2400" dirty="0" smtClean="0"/>
-              <a:t>  </a:t>
-            </a:r>
-            <a:r>
-              <a:rPr lang="ko-KR" altLang="ko-KR" sz="2400" b="1" dirty="0" smtClean="0"/>
-              <a:t>병력을 지휘</a:t>
-            </a:r>
-            <a:r>
-              <a:rPr lang="ko-KR" altLang="en-US" sz="2400" dirty="0" smtClean="0"/>
-              <a:t>하거나 </a:t>
-            </a:r>
-            <a:r>
-              <a:rPr lang="ko-KR" altLang="ko-KR" sz="2400" b="1" dirty="0" smtClean="0"/>
-              <a:t>직접 </a:t>
-            </a:r>
-            <a:r>
-              <a:rPr lang="ko-KR" altLang="en-US" sz="2400" b="1" dirty="0" smtClean="0"/>
-              <a:t>출동</a:t>
-            </a:r>
-            <a:r>
-              <a:rPr lang="ko-KR" altLang="en-US" sz="2400" dirty="0" smtClean="0"/>
-              <a:t>할</a:t>
-            </a:r>
-            <a:r>
-              <a:rPr lang="en-US" altLang="ko-KR" sz="2400" dirty="0" smtClean="0"/>
-              <a:t/>
-            </a:r>
-            <a:br>
-              <a:rPr lang="en-US" altLang="ko-KR" sz="2400" dirty="0" smtClean="0"/>
-            </a:br>
-            <a:r>
-              <a:rPr lang="en-US" altLang="ko-KR" sz="2400" dirty="0" smtClean="0"/>
-              <a:t> </a:t>
-            </a:r>
-            <a:r>
-              <a:rPr lang="ko-KR" altLang="en-US" sz="2400" dirty="0" smtClean="0"/>
-              <a:t> 수 있다</a:t>
-            </a:r>
-            <a:r>
-              <a:rPr lang="en-US" altLang="ko-KR" sz="2400" dirty="0" smtClean="0"/>
-              <a:t>.</a:t>
-            </a:r>
-            <a:endParaRPr lang="ko-KR" altLang="ko-KR" sz="2400" dirty="0"/>
+            <a:endParaRPr lang="en-US" altLang="ko-KR" sz="2400" dirty="0"/>
           </a:p>
         </p:txBody>
       </p:sp>
@@ -23227,25 +22765,7 @@
                 <a:latin typeface="맑은 고딕" panose="020B0503020000020004" pitchFamily="50" charset="-127"/>
                 <a:ea typeface="맑은 고딕" panose="020B0503020000020004" pitchFamily="50" charset="-127"/>
               </a:rPr>
-              <a:t>게임 </a:t>
-            </a:r>
-            <a:r>
-              <a:rPr lang="ko-KR" altLang="en-US" b="1" dirty="0" smtClean="0">
-                <a:gradFill>
-                  <a:gsLst>
-                    <a:gs pos="0">
-                      <a:schemeClr val="tx1"/>
-                    </a:gs>
-                    <a:gs pos="100000">
-                      <a:schemeClr val="tx1"/>
-                    </a:gs>
-                  </a:gsLst>
-                  <a:lin ang="5400000" scaled="1"/>
-                </a:gradFill>
-                <a:latin typeface="맑은 고딕" panose="020B0503020000020004" pitchFamily="50" charset="-127"/>
-                <a:ea typeface="맑은 고딕" panose="020B0503020000020004" pitchFamily="50" charset="-127"/>
-              </a:rPr>
-              <a:t>플레이</a:t>
+              <a:t>게임 플레이</a:t>
             </a:r>
             <a:endParaRPr lang="ko-KR" altLang="en-US" b="1" dirty="0">
               <a:gradFill>
@@ -23307,7 +22827,7 @@
               <a:t>&lt;</a:t>
             </a:r>
             <a:r>
-              <a:rPr lang="ko-KR" altLang="en-US" sz="3200" b="1" spc="-300" dirty="0" err="1" smtClean="0">
+              <a:rPr lang="ko-KR" altLang="en-US" sz="3200" b="1" spc="-300" dirty="0" smtClean="0">
                 <a:gradFill>
                   <a:gsLst>
                     <a:gs pos="0">
@@ -23322,10 +22842,10 @@
                 <a:latin typeface="맑은 고딕" panose="020B0503020000020004" pitchFamily="50" charset="-127"/>
                 <a:ea typeface="맑은 고딕" panose="020B0503020000020004" pitchFamily="50" charset="-127"/>
               </a:rPr>
-              <a:t>테이</a:t>
-            </a:r>
-            <a:r>
-              <a:rPr lang="ko-KR" altLang="en-US" sz="3200" b="1" spc="-300" dirty="0" err="1" smtClean="0">
+              <a:t>육</a:t>
+            </a:r>
+            <a:r>
+              <a:rPr lang="ko-KR" altLang="en-US" sz="3200" b="1" spc="-300" dirty="0" smtClean="0">
                 <a:gradFill>
                   <a:gsLst>
                     <a:gs pos="0">
@@ -23340,7 +22860,7 @@
                 <a:latin typeface="맑은 고딕" panose="020B0503020000020004" pitchFamily="50" charset="-127"/>
                 <a:ea typeface="맑은 고딕" panose="020B0503020000020004" pitchFamily="50" charset="-127"/>
               </a:rPr>
-              <a:t>밍</a:t>
+              <a:t>성</a:t>
             </a:r>
             <a:r>
               <a:rPr lang="en-US" altLang="ko-KR" sz="3200" b="1" spc="-300" dirty="0" smtClean="0">
@@ -23387,7 +22907,7 @@
         <p:spPr>
           <a:xfrm>
             <a:off x="235480" y="1559202"/>
-            <a:ext cx="5642809" cy="3785652"/>
+            <a:ext cx="5642809" cy="3416320"/>
           </a:xfrm>
           <a:prstGeom prst="rect">
             <a:avLst/>
@@ -23405,51 +22925,32 @@
               <a:t>• </a:t>
             </a:r>
             <a:r>
-              <a:rPr lang="ko-KR" altLang="ko-KR" sz="2400" dirty="0" smtClean="0"/>
-              <a:t>플레이어는 </a:t>
-            </a:r>
-            <a:r>
-              <a:rPr lang="ko-KR" altLang="en-US" sz="2400" b="1" dirty="0" err="1" smtClean="0"/>
-              <a:t>지도맵</a:t>
+              <a:rPr lang="ko-KR" altLang="en-US" sz="2400" dirty="0" smtClean="0"/>
+              <a:t>아군 캐릭터들은 전투를 통해 경험치를 획득하고</a:t>
+            </a:r>
+            <a:r>
+              <a:rPr lang="en-US" altLang="ko-KR" sz="2400" dirty="0" smtClean="0"/>
+              <a:t>, </a:t>
+            </a:r>
+            <a:r>
+              <a:rPr lang="ko-KR" altLang="en-US" sz="2400" dirty="0" smtClean="0"/>
+              <a:t>일정한 경험치를 만족하면 </a:t>
             </a:r>
             <a:r>
               <a:rPr lang="ko-KR" altLang="en-US" sz="2400" dirty="0" err="1" smtClean="0"/>
-              <a:t>과</a:t>
+              <a:t>레벨업</a:t>
             </a:r>
             <a:r>
               <a:rPr lang="ko-KR" altLang="en-US" sz="2400" dirty="0" smtClean="0"/>
-              <a:t> </a:t>
-            </a:r>
-            <a:r>
-              <a:rPr lang="ko-KR" altLang="en-US" sz="2400" b="1" dirty="0" smtClean="0"/>
-              <a:t>무전 정보</a:t>
-            </a:r>
-            <a:r>
-              <a:rPr lang="ko-KR" altLang="en-US" sz="2400" dirty="0"/>
-              <a:t>를</a:t>
-            </a:r>
-            <a:r>
-              <a:rPr lang="en-US" altLang="ko-KR" sz="2400" dirty="0" smtClean="0"/>
-              <a:t/>
-            </a:r>
-            <a:br>
-              <a:rPr lang="en-US" altLang="ko-KR" sz="2400" dirty="0" smtClean="0"/>
-            </a:br>
-            <a:r>
-              <a:rPr lang="ko-KR" altLang="en-US" sz="2400" dirty="0"/>
-              <a:t> </a:t>
-            </a:r>
-            <a:r>
-              <a:rPr lang="ko-KR" altLang="en-US" sz="2400" dirty="0" smtClean="0"/>
-              <a:t> 이용하여 현장 상황을 파악한다</a:t>
+              <a:t> 하여 성장합니다</a:t>
             </a:r>
             <a:r>
               <a:rPr lang="en-US" altLang="ko-KR" sz="2400" dirty="0" smtClean="0"/>
               <a:t>.</a:t>
             </a:r>
-            <a:br>
-              <a:rPr lang="en-US" altLang="ko-KR" sz="2400" dirty="0" smtClean="0"/>
-            </a:br>
+            <a:endParaRPr lang="en-US" altLang="ko-KR" sz="2400" dirty="0" smtClean="0"/>
+          </a:p>
+          <a:p>
             <a:r>
               <a:rPr lang="en-US" altLang="ko-KR" sz="2400" dirty="0"/>
               <a:t/>
@@ -23463,73 +22964,13 @@
             </a:r>
             <a:r>
               <a:rPr lang="ko-KR" altLang="en-US" sz="2400" dirty="0" smtClean="0"/>
-              <a:t>자신의 스타일대로 자원과</a:t>
-            </a:r>
-            <a:r>
-              <a:rPr lang="en-US" altLang="ko-KR" sz="2400" dirty="0" smtClean="0"/>
-              <a:t> </a:t>
-            </a:r>
-            <a:r>
-              <a:rPr lang="ko-KR" altLang="en-US" sz="2400" dirty="0" smtClean="0"/>
-              <a:t>인력을 </a:t>
-            </a:r>
-            <a:r>
-              <a:rPr lang="en-US" altLang="ko-KR" sz="2400" dirty="0" smtClean="0"/>
-              <a:t/>
-            </a:r>
-            <a:br>
-              <a:rPr lang="en-US" altLang="ko-KR" sz="2400" dirty="0" smtClean="0"/>
-            </a:br>
-            <a:r>
-              <a:rPr lang="en-US" altLang="ko-KR" sz="2400" dirty="0" smtClean="0"/>
-              <a:t>  </a:t>
-            </a:r>
-            <a:r>
-              <a:rPr lang="ko-KR" altLang="en-US" sz="2400" dirty="0" smtClean="0"/>
-              <a:t>컨트롤하여 상황실에서 현장의</a:t>
-            </a:r>
-            <a:r>
-              <a:rPr lang="en-US" altLang="ko-KR" sz="2400" dirty="0" smtClean="0"/>
-              <a:t/>
-            </a:r>
-            <a:br>
-              <a:rPr lang="en-US" altLang="ko-KR" sz="2400" dirty="0" smtClean="0"/>
-            </a:br>
-            <a:r>
-              <a:rPr lang="en-US" altLang="ko-KR" sz="2400" dirty="0" smtClean="0"/>
-              <a:t>  </a:t>
-            </a:r>
-            <a:r>
-              <a:rPr lang="ko-KR" altLang="en-US" sz="2400" dirty="0" smtClean="0"/>
-              <a:t>병력을 지휘 및</a:t>
-            </a:r>
-            <a:r>
-              <a:rPr lang="en-US" altLang="ko-KR" sz="2400" dirty="0" smtClean="0"/>
-              <a:t> </a:t>
-            </a:r>
-            <a:r>
-              <a:rPr lang="ko-KR" altLang="en-US" sz="2400" dirty="0" smtClean="0"/>
-              <a:t>감독하고 명령을</a:t>
-            </a:r>
-            <a:r>
-              <a:rPr lang="en-US" altLang="ko-KR" sz="2400" dirty="0" smtClean="0"/>
-              <a:t/>
-            </a:r>
-            <a:br>
-              <a:rPr lang="en-US" altLang="ko-KR" sz="2400" dirty="0" smtClean="0"/>
-            </a:br>
-            <a:r>
-              <a:rPr lang="en-US" altLang="ko-KR" sz="2400" dirty="0" smtClean="0"/>
-              <a:t> </a:t>
-            </a:r>
-            <a:r>
-              <a:rPr lang="ko-KR" altLang="en-US" sz="2400" dirty="0" smtClean="0"/>
-              <a:t> 내리며 임기응변한다</a:t>
+              <a:t>동일한 몬스터를 재료로 사용하여 특정 몬스터를 강화할 수 있습니다</a:t>
             </a:r>
             <a:r>
               <a:rPr lang="en-US" altLang="ko-KR" sz="2400" dirty="0" smtClean="0"/>
               <a:t>.</a:t>
             </a:r>
+            <a:endParaRPr lang="en-US" altLang="ko-KR" sz="2400" dirty="0" smtClean="0"/>
           </a:p>
           <a:p>
             <a:endParaRPr lang="en-US" altLang="ko-KR" sz="2400" dirty="0"/>
@@ -23540,31 +22981,16 @@
               <a:t>• </a:t>
             </a:r>
             <a:r>
-              <a:rPr lang="ko-KR" altLang="ko-KR" sz="2400" dirty="0" smtClean="0"/>
-              <a:t>플레이어는 </a:t>
-            </a:r>
-            <a:r>
               <a:rPr lang="ko-KR" altLang="en-US" sz="2400" dirty="0" smtClean="0"/>
-              <a:t>동시에 다수의 사건을 </a:t>
-            </a:r>
-            <a:r>
-              <a:rPr lang="en-US" altLang="ko-KR" sz="2400" dirty="0" smtClean="0"/>
-              <a:t/>
-            </a:r>
-            <a:br>
-              <a:rPr lang="en-US" altLang="ko-KR" sz="2400" dirty="0" smtClean="0"/>
-            </a:br>
-            <a:r>
-              <a:rPr lang="en-US" altLang="ko-KR" sz="2400" dirty="0" smtClean="0"/>
-              <a:t>  </a:t>
-            </a:r>
-            <a:r>
-              <a:rPr lang="ko-KR" altLang="en-US" sz="2400" b="1" dirty="0" err="1" smtClean="0"/>
-              <a:t>멀티태스킹</a:t>
+              <a:t>캐릭터에게 아이템을 </a:t>
+            </a:r>
+            <a:r>
+              <a:rPr lang="ko-KR" altLang="en-US" sz="2400" dirty="0" err="1" smtClean="0"/>
+              <a:t>장비시켜</a:t>
             </a:r>
             <a:r>
               <a:rPr lang="ko-KR" altLang="en-US" sz="2400" dirty="0" smtClean="0"/>
-              <a:t> 할 수 있다</a:t>
+              <a:t> 능력을 향상시킬 수 있습니다</a:t>
             </a:r>
             <a:r>
               <a:rPr lang="en-US" altLang="ko-KR" sz="2400" dirty="0" smtClean="0"/>
@@ -23919,25 +23345,7 @@
                 <a:latin typeface="맑은 고딕" panose="020B0503020000020004" pitchFamily="50" charset="-127"/>
                 <a:ea typeface="맑은 고딕" panose="020B0503020000020004" pitchFamily="50" charset="-127"/>
               </a:rPr>
-              <a:t>게임 </a:t>
-            </a:r>
-            <a:r>
-              <a:rPr lang="ko-KR" altLang="en-US" b="1" dirty="0" smtClean="0">
-                <a:gradFill>
-                  <a:gsLst>
-                    <a:gs pos="0">
-                      <a:schemeClr val="tx1"/>
-                    </a:gs>
-                    <a:gs pos="100000">
-                      <a:schemeClr val="tx1"/>
-                    </a:gs>
-                  </a:gsLst>
-                  <a:lin ang="5400000" scaled="1"/>
-                </a:gradFill>
-                <a:latin typeface="맑은 고딕" panose="020B0503020000020004" pitchFamily="50" charset="-127"/>
-                <a:ea typeface="맑은 고딕" panose="020B0503020000020004" pitchFamily="50" charset="-127"/>
-              </a:rPr>
-              <a:t>플레이</a:t>
+              <a:t>게임 플레이</a:t>
             </a:r>
             <a:endParaRPr lang="ko-KR" altLang="en-US" b="1" dirty="0">
               <a:gradFill>
@@ -23966,7 +23374,7 @@
         <p:spPr>
           <a:xfrm>
             <a:off x="241305" y="1894220"/>
-            <a:ext cx="4845051" cy="3046988"/>
+            <a:ext cx="4845051" cy="3785652"/>
           </a:xfrm>
           <a:prstGeom prst="rect">
             <a:avLst/>
@@ -23988,38 +23396,11 @@
               <a:t> </a:t>
             </a:r>
             <a:r>
-              <a:rPr lang="ko-KR" altLang="en-US" sz="2400" dirty="0"/>
-              <a:t>각기 다른 특기를 지닌 </a:t>
-            </a:r>
-            <a:r>
-              <a:rPr lang="ko-KR" altLang="en-US" sz="2400" b="1" dirty="0" smtClean="0"/>
-              <a:t>인력</a:t>
-            </a:r>
-            <a:r>
               <a:rPr lang="ko-KR" altLang="en-US" sz="2400" dirty="0" smtClean="0"/>
-              <a:t>을</a:t>
+              <a:t>캐릭터와 몬스터가 가진 능력과 스킬을 활용하여 다양한 전략을 사용할 수 있습니다</a:t>
             </a:r>
             <a:r>
               <a:rPr lang="en-US" altLang="ko-KR" sz="2400" dirty="0" smtClean="0"/>
-              <a:t/>
-            </a:r>
-            <a:br>
-              <a:rPr lang="en-US" altLang="ko-KR" sz="2400" dirty="0" smtClean="0"/>
-            </a:br>
-            <a:r>
-              <a:rPr lang="en-US" altLang="ko-KR" sz="2400" dirty="0" smtClean="0"/>
-              <a:t>  </a:t>
-            </a:r>
-            <a:r>
-              <a:rPr lang="ko-KR" altLang="en-US" sz="2400" dirty="0" smtClean="0"/>
-              <a:t>적재적소에 </a:t>
-            </a:r>
-            <a:r>
-              <a:rPr lang="ko-KR" altLang="en-US" sz="2400" dirty="0"/>
-              <a:t>배치할 수 있다</a:t>
-            </a:r>
-            <a:r>
-              <a:rPr lang="en-US" altLang="ko-KR" sz="2400" dirty="0"/>
               <a:t>.</a:t>
             </a:r>
           </a:p>
@@ -24036,48 +23417,14 @@
               <a:t> </a:t>
             </a:r>
             <a:r>
-              <a:rPr lang="ko-KR" altLang="en-US" sz="2400" dirty="0"/>
-              <a:t>경찰차</a:t>
-            </a:r>
-            <a:r>
-              <a:rPr lang="en-US" altLang="ko-KR" sz="2400" dirty="0"/>
-              <a:t>, </a:t>
-            </a:r>
-            <a:r>
-              <a:rPr lang="ko-KR" altLang="en-US" sz="2400" dirty="0"/>
-              <a:t>휴대 장비 등 </a:t>
-            </a:r>
-            <a:r>
-              <a:rPr lang="ko-KR" altLang="en-US" sz="2400" b="1" dirty="0" smtClean="0"/>
-              <a:t>자원</a:t>
-            </a:r>
-            <a:r>
               <a:rPr lang="ko-KR" altLang="en-US" sz="2400" dirty="0" smtClean="0"/>
-              <a:t>을</a:t>
+              <a:t>아이템으로 아군의 장점을 살리고 약점을 커버할 수 있습니다</a:t>
             </a:r>
             <a:r>
               <a:rPr lang="en-US" altLang="ko-KR" sz="2400" dirty="0" smtClean="0"/>
-              <a:t/>
-            </a:r>
-            <a:br>
-              <a:rPr lang="en-US" altLang="ko-KR" sz="2400" dirty="0" smtClean="0"/>
-            </a:br>
-            <a:r>
-              <a:rPr lang="en-US" altLang="ko-KR" sz="2400" dirty="0" smtClean="0"/>
-              <a:t>  </a:t>
-            </a:r>
-            <a:r>
-              <a:rPr lang="ko-KR" altLang="en-US" sz="2400" dirty="0" smtClean="0"/>
-              <a:t>배치할 </a:t>
-            </a:r>
-            <a:r>
-              <a:rPr lang="ko-KR" altLang="en-US" sz="2400" dirty="0"/>
-              <a:t>수 있다</a:t>
-            </a:r>
-            <a:r>
-              <a:rPr lang="en-US" altLang="ko-KR" sz="2400" dirty="0"/>
               <a:t>.</a:t>
             </a:r>
+            <a:endParaRPr lang="en-US" altLang="ko-KR" sz="2400" dirty="0"/>
           </a:p>
           <a:p>
             <a:pPr marL="285750" indent="-285750">
@@ -24092,54 +23439,11 @@
               <a:t>• </a:t>
             </a:r>
             <a:r>
-              <a:rPr lang="ko-KR" altLang="en-US" sz="2400" dirty="0"/>
-              <a:t>필요시 </a:t>
-            </a:r>
-            <a:r>
-              <a:rPr lang="ko-KR" altLang="en-US" sz="2400" dirty="0" err="1"/>
-              <a:t>소방팀</a:t>
-            </a:r>
-            <a:r>
-              <a:rPr lang="en-US" altLang="ko-KR" sz="2400" dirty="0"/>
-              <a:t>, </a:t>
-            </a:r>
-            <a:r>
-              <a:rPr lang="ko-KR" altLang="en-US" sz="2400" dirty="0"/>
-              <a:t>의료팀</a:t>
-            </a:r>
-            <a:r>
-              <a:rPr lang="en-US" altLang="ko-KR" sz="2400" dirty="0"/>
-              <a:t> </a:t>
-            </a:r>
-            <a:r>
-              <a:rPr lang="ko-KR" altLang="en-US" sz="2400" dirty="0"/>
-              <a:t>등 </a:t>
+              <a:rPr lang="ko-KR" altLang="en-US" sz="2400" dirty="0" smtClean="0"/>
+              <a:t>아군과 적의 상성을 파악하여 원하는 조합을 편성하고 전술을 펼칠 수 있습니다</a:t>
             </a:r>
             <a:r>
               <a:rPr lang="en-US" altLang="ko-KR" sz="2400" dirty="0" smtClean="0"/>
-              <a:t/>
-            </a:r>
-            <a:br>
-              <a:rPr lang="en-US" altLang="ko-KR" sz="2400" dirty="0" smtClean="0"/>
-            </a:br>
-            <a:r>
-              <a:rPr lang="en-US" altLang="ko-KR" sz="2400" dirty="0" smtClean="0"/>
-              <a:t>  </a:t>
-            </a:r>
-            <a:r>
-              <a:rPr lang="ko-KR" altLang="en-US" sz="2400" dirty="0" smtClean="0"/>
-              <a:t>외부 </a:t>
-            </a:r>
-            <a:r>
-              <a:rPr lang="ko-KR" altLang="en-US" sz="2400" b="1" dirty="0"/>
-              <a:t>지원 요청</a:t>
-            </a:r>
-            <a:r>
-              <a:rPr lang="ko-KR" altLang="en-US" sz="2400" dirty="0"/>
-              <a:t>을 할 수 있다</a:t>
-            </a:r>
-            <a:r>
-              <a:rPr lang="en-US" altLang="ko-KR" sz="2400" dirty="0"/>
               <a:t>.</a:t>
             </a:r>
             <a:endParaRPr lang="ko-KR" altLang="ko-KR" sz="2400" dirty="0"/>
@@ -24345,7 +23649,7 @@
                 <a:latin typeface="맑은 고딕" panose="020B0503020000020004" pitchFamily="50" charset="-127"/>
                 <a:ea typeface="맑은 고딕" panose="020B0503020000020004" pitchFamily="50" charset="-127"/>
               </a:rPr>
-              <a:t>육성</a:t>
+              <a:t>전략과 조합</a:t>
             </a:r>
             <a:r>
               <a:rPr lang="en-US" altLang="ko-KR" sz="3200" b="1" spc="-300" dirty="0" smtClean="0">
@@ -31568,25 +30872,7 @@
                 <a:latin typeface="맑은 고딕" panose="020B0503020000020004" pitchFamily="50" charset="-127"/>
                 <a:ea typeface="맑은 고딕" panose="020B0503020000020004" pitchFamily="50" charset="-127"/>
               </a:rPr>
-              <a:t>각각의 특징과 능력에 따른 다양한 </a:t>
-            </a:r>
-            <a:r>
-              <a:rPr lang="ko-KR" altLang="en-US" sz="1700" spc="-150" dirty="0" smtClean="0">
-                <a:gradFill>
-                  <a:gsLst>
-                    <a:gs pos="0">
-                      <a:schemeClr val="tx1"/>
-                    </a:gs>
-                    <a:gs pos="100000">
-                      <a:schemeClr val="tx1"/>
-                    </a:gs>
-                  </a:gsLst>
-                  <a:lin ang="5400000" scaled="1"/>
-                </a:gradFill>
-                <a:latin typeface="맑은 고딕" panose="020B0503020000020004" pitchFamily="50" charset="-127"/>
-                <a:ea typeface="맑은 고딕" panose="020B0503020000020004" pitchFamily="50" charset="-127"/>
-              </a:rPr>
-              <a:t>조합과 </a:t>
+              <a:t>각각의 특징과 능력에 따른 다양한 조합과 </a:t>
             </a:r>
             <a:r>
               <a:rPr lang="ko-KR" altLang="en-US" sz="1700" spc="-150" dirty="0" err="1" smtClean="0">
@@ -32108,11 +31394,7 @@
                       <a:pPr algn="ctr" latinLnBrk="1"/>
                       <a:r>
                         <a:rPr lang="ko-KR" altLang="en-US" dirty="0" smtClean="0"/>
-                        <a:t>턴 방식의 </a:t>
-                      </a:r>
-                      <a:r>
-                        <a:rPr lang="ko-KR" altLang="en-US" dirty="0" smtClean="0"/>
-                        <a:t>전략 게임과 </a:t>
+                        <a:t>턴 방식의 전략 게임과 </a:t>
                       </a:r>
                       <a:r>
                         <a:rPr lang="ko-KR" altLang="en-US" dirty="0" err="1" smtClean="0"/>
@@ -32120,11 +31402,7 @@
                       </a:r>
                       <a:r>
                         <a:rPr lang="ko-KR" altLang="en-US" baseline="0" dirty="0" smtClean="0"/>
-                        <a:t> </a:t>
-                      </a:r>
-                      <a:r>
-                        <a:rPr lang="ko-KR" altLang="en-US" baseline="0" dirty="0" smtClean="0"/>
-                        <a:t>선호하는</a:t>
+                        <a:t> 선호하는</a:t>
                       </a:r>
                       <a:endParaRPr lang="en-US" altLang="ko-KR" baseline="0" dirty="0" smtClean="0"/>
                     </a:p>
@@ -34406,19 +33684,7 @@
               <a:rPr lang="ko-KR" altLang="en-US" dirty="0" smtClean="0">
                 <a:latin typeface="+mn-ea"/>
               </a:rPr>
-              <a:t>그 시점에서 </a:t>
-            </a:r>
-            <a:r>
-              <a:rPr lang="ko-KR" altLang="en-US" dirty="0" smtClean="0">
-                <a:latin typeface="+mn-ea"/>
-              </a:rPr>
-              <a:t>모든 진행 </a:t>
-            </a:r>
-            <a:r>
-              <a:rPr lang="ko-KR" altLang="en-US" dirty="0" smtClean="0">
-                <a:latin typeface="+mn-ea"/>
-              </a:rPr>
-              <a:t>사항을 잃고 게임 오버 됩니다</a:t>
+              <a:t>그 시점에서 모든 진행 사항을 잃고 게임 오버 됩니다</a:t>
             </a:r>
             <a:r>
               <a:rPr lang="en-US" altLang="ko-KR" dirty="0" smtClean="0">
@@ -34738,7 +34004,7 @@
           <p:nvPr>
             <p:extLst>
               <p:ext uri="{D42A27DB-BD31-4B8C-83A1-F6EECF244321}">
-                <p14:modId xmlns:p14="http://schemas.microsoft.com/office/powerpoint/2010/main" val="3562229166"/>
+                <p14:modId xmlns:p14="http://schemas.microsoft.com/office/powerpoint/2010/main" val="1633004015"/>
               </p:ext>
             </p:extLst>
           </p:nvPr>
@@ -34845,23 +34111,7 @@
                       </a:r>
                       <a:r>
                         <a:rPr lang="ko-KR" altLang="en-US" dirty="0" smtClean="0"/>
-                        <a:t>보조형</a:t>
-                      </a:r>
-                      <a:r>
-                        <a:rPr lang="en-US" altLang="ko-KR" dirty="0" smtClean="0"/>
-                        <a:t>, </a:t>
-                      </a:r>
-                      <a:r>
-                        <a:rPr lang="ko-KR" altLang="en-US" dirty="0" smtClean="0"/>
-                        <a:t>기능</a:t>
-                      </a:r>
-                      <a:r>
-                        <a:rPr lang="ko-KR" altLang="en-US" dirty="0" smtClean="0"/>
-                        <a:t>형</a:t>
-                      </a:r>
-                      <a:r>
-                        <a:rPr lang="ko-KR" altLang="en-US" dirty="0" smtClean="0"/>
-                        <a:t> </a:t>
+                        <a:t>보조형 </a:t>
                       </a:r>
                       <a:r>
                         <a:rPr lang="ko-KR" altLang="en-US" dirty="0" smtClean="0"/>
@@ -35273,15 +34523,7 @@
                       </a:r>
                       <a:r>
                         <a:rPr lang="ko-KR" altLang="en-US" dirty="0" smtClean="0"/>
-                        <a:t>방</a:t>
-                      </a:r>
-                      <a:r>
-                        <a:rPr lang="ko-KR" altLang="en-US" dirty="0" smtClean="0"/>
-                        <a:t> </a:t>
-                      </a:r>
-                      <a:r>
-                        <a:rPr lang="ko-KR" altLang="en-US" dirty="0" smtClean="0"/>
-                        <a:t>상승</a:t>
+                        <a:t>방 상승</a:t>
                       </a:r>
                       <a:r>
                         <a:rPr lang="en-US" altLang="ko-KR" dirty="0" smtClean="0"/>
